--- a/data/Stock Market Prediction.pptx
+++ b/data/Stock Market Prediction.pptx
@@ -5,7 +5,7 @@
     <p:sldMasterId id="2147483660" r:id="rId1"/>
   </p:sldMasterIdLst>
   <p:notesMasterIdLst>
-    <p:notesMasterId r:id="rId9"/>
+    <p:notesMasterId r:id="rId11"/>
   </p:notesMasterIdLst>
   <p:sldIdLst>
     <p:sldId id="257" r:id="rId2"/>
@@ -14,7 +14,9 @@
     <p:sldId id="260" r:id="rId5"/>
     <p:sldId id="261" r:id="rId6"/>
     <p:sldId id="262" r:id="rId7"/>
-    <p:sldId id="263" r:id="rId8"/>
+    <p:sldId id="265" r:id="rId8"/>
+    <p:sldId id="264" r:id="rId9"/>
+    <p:sldId id="263" r:id="rId10"/>
   </p:sldIdLst>
   <p:sldSz cx="9144000" cy="6858000" type="screen4x3"/>
   <p:notesSz cx="6858000" cy="9144000"/>
@@ -4752,7 +4754,7 @@
             </a:pPr>
             <a:r>
               <a:rPr lang="en-US" dirty="0"/>
-              <a:t>Accurate prediction of stock market asset is a significant and challenging task due to complicated nature of the financial stock markets. Considering the increasing availability and affordability of powerful computational engines, deep learning methods of prediction have proved its efficiency in finance.</a:t>
+              <a:t>My capstone project is Stock market Prediction. I’m going to build a time series regression model using NN or other advanced techniques to predict the stock market. Stock market prediction aims to determine the future movement of the stock value of a financial exchange. My project is helpful for Stock investors and investment banks to have a better understanding in developing economical Strategy and in making financial decisions.</a:t>
             </a:r>
           </a:p>
         </p:txBody>
@@ -4851,41 +4853,6 @@
       </p:grpSpPr>
       <p:sp>
         <p:nvSpPr>
-          <p:cNvPr id="2" name="Content Placeholder 1"/>
-          <p:cNvSpPr>
-            <a:spLocks noGrp="1"/>
-          </p:cNvSpPr>
-          <p:nvPr>
-            <p:ph idx="1"/>
-          </p:nvPr>
-        </p:nvSpPr>
-        <p:spPr>
-          <a:xfrm>
-            <a:off x="381000" y="1219200"/>
-            <a:ext cx="8305800" cy="5181600"/>
-          </a:xfrm>
-        </p:spPr>
-        <p:txBody>
-          <a:bodyPr>
-            <a:normAutofit/>
-          </a:bodyPr>
-          <a:lstStyle/>
-          <a:p>
-            <a:pPr marL="0" indent="0">
-              <a:lnSpc>
-                <a:spcPct val="150000"/>
-              </a:lnSpc>
-              <a:buNone/>
-            </a:pPr>
-            <a:r>
-              <a:rPr lang="en-US" dirty="0"/>
-              <a:t>Accurate prediction of stock market asset is a significant and challenging task due to complicated nature of the financial stock markets. Considering the increasing availability and affordability of powerful computational engines, deep learning methods of prediction have proved its efficiency in finance.</a:t>
-            </a:r>
-          </a:p>
-        </p:txBody>
-      </p:sp>
-      <p:sp>
-        <p:nvSpPr>
           <p:cNvPr id="3" name="Title 2"/>
           <p:cNvSpPr>
             <a:spLocks noGrp="1"/>
@@ -4952,6 +4919,36 @@
           </a:p>
         </p:txBody>
       </p:sp>
+      <p:pic>
+        <p:nvPicPr>
+          <p:cNvPr id="7" name="Picture 6">
+            <a:extLst>
+              <a:ext uri="{FF2B5EF4-FFF2-40B4-BE49-F238E27FC236}">
+                <a16:creationId xmlns:a16="http://schemas.microsoft.com/office/drawing/2014/main" id="{BE9EE2B2-B622-3D41-A8E3-E720BB21B5A4}"/>
+              </a:ext>
+            </a:extLst>
+          </p:cNvPr>
+          <p:cNvPicPr>
+            <a:picLocks noChangeAspect="1"/>
+          </p:cNvPicPr>
+          <p:nvPr/>
+        </p:nvPicPr>
+        <p:blipFill>
+          <a:blip r:embed="rId2"/>
+          <a:stretch>
+            <a:fillRect/>
+          </a:stretch>
+        </p:blipFill>
+        <p:spPr>
+          <a:xfrm>
+            <a:off x="590550" y="1393237"/>
+            <a:ext cx="7962900" cy="2451100"/>
+          </a:xfrm>
+          <a:prstGeom prst="rect">
+            <a:avLst/>
+          </a:prstGeom>
+        </p:spPr>
+      </p:pic>
     </p:spTree>
     <p:extLst>
       <p:ext uri="{BB962C8B-B14F-4D97-AF65-F5344CB8AC3E}">
@@ -4984,62 +4981,6 @@
       </p:grpSpPr>
       <p:sp>
         <p:nvSpPr>
-          <p:cNvPr id="2" name="Content Placeholder 1"/>
-          <p:cNvSpPr>
-            <a:spLocks noGrp="1"/>
-          </p:cNvSpPr>
-          <p:nvPr>
-            <p:ph idx="1"/>
-          </p:nvPr>
-        </p:nvSpPr>
-        <p:spPr>
-          <a:xfrm>
-            <a:off x="381000" y="1219200"/>
-            <a:ext cx="8305800" cy="5181600"/>
-          </a:xfrm>
-        </p:spPr>
-        <p:txBody>
-          <a:bodyPr>
-            <a:normAutofit/>
-          </a:bodyPr>
-          <a:lstStyle/>
-          <a:p>
-            <a:r>
-              <a:rPr lang="en-US" dirty="0"/>
-              <a:t>In dealing with the missing data problem one should keep in mind the following:</a:t>
-            </a:r>
-          </a:p>
-          <a:p>
-            <a:r>
-              <a:rPr lang="en-US" dirty="0"/>
-              <a:t> The fact that data are missing should not be neglected—quite often it is an indication</a:t>
-            </a:r>
-          </a:p>
-          <a:p>
-            <a:r>
-              <a:rPr lang="en-US" dirty="0"/>
-              <a:t>of illiquidity.</a:t>
-            </a:r>
-          </a:p>
-          <a:p>
-            <a:r>
-              <a:rPr lang="en-US" dirty="0"/>
-              <a:t> Using an average price results in an underestimate of volatility.</a:t>
-            </a:r>
-          </a:p>
-          <a:p>
-            <a:pPr marL="0" indent="0">
-              <a:lnSpc>
-                <a:spcPct val="150000"/>
-              </a:lnSpc>
-              <a:buNone/>
-            </a:pPr>
-            <a:endParaRPr lang="en-US" dirty="0"/>
-          </a:p>
-        </p:txBody>
-      </p:sp>
-      <p:sp>
-        <p:nvSpPr>
           <p:cNvPr id="3" name="Title 2"/>
           <p:cNvSpPr>
             <a:spLocks noGrp="1"/>
@@ -5100,6 +5041,100 @@
           </a:p>
         </p:txBody>
       </p:sp>
+      <p:pic>
+        <p:nvPicPr>
+          <p:cNvPr id="1026" name="Picture 2">
+            <a:extLst>
+              <a:ext uri="{FF2B5EF4-FFF2-40B4-BE49-F238E27FC236}">
+                <a16:creationId xmlns:a16="http://schemas.microsoft.com/office/drawing/2014/main" id="{B5D423A7-B627-5047-A4C2-69DB1BAEC31D}"/>
+              </a:ext>
+            </a:extLst>
+          </p:cNvPr>
+          <p:cNvPicPr>
+            <a:picLocks noChangeAspect="1" noChangeArrowheads="1"/>
+          </p:cNvPicPr>
+          <p:nvPr/>
+        </p:nvPicPr>
+        <p:blipFill>
+          <a:blip r:embed="rId2">
+            <a:extLst>
+              <a:ext uri="{28A0092B-C50C-407E-A947-70E740481C1C}">
+                <a14:useLocalDpi xmlns:a14="http://schemas.microsoft.com/office/drawing/2010/main" val="0"/>
+              </a:ext>
+            </a:extLst>
+          </a:blip>
+          <a:srcRect/>
+          <a:stretch>
+            <a:fillRect/>
+          </a:stretch>
+        </p:blipFill>
+        <p:spPr bwMode="auto">
+          <a:xfrm>
+            <a:off x="152400" y="1860656"/>
+            <a:ext cx="8839200" cy="1568344"/>
+          </a:xfrm>
+          <a:prstGeom prst="rect">
+            <a:avLst/>
+          </a:prstGeom>
+          <a:noFill/>
+          <a:extLst>
+            <a:ext uri="{909E8E84-426E-40DD-AFC4-6F175D3DCCD1}">
+              <a14:hiddenFill xmlns:a14="http://schemas.microsoft.com/office/drawing/2010/main">
+                <a:solidFill>
+                  <a:srgbClr val="FFFFFF"/>
+                </a:solidFill>
+              </a14:hiddenFill>
+            </a:ext>
+          </a:extLst>
+        </p:spPr>
+      </p:pic>
+      <p:pic>
+        <p:nvPicPr>
+          <p:cNvPr id="1028" name="Picture 4">
+            <a:extLst>
+              <a:ext uri="{FF2B5EF4-FFF2-40B4-BE49-F238E27FC236}">
+                <a16:creationId xmlns:a16="http://schemas.microsoft.com/office/drawing/2014/main" id="{951FD44F-0C77-1F4C-B6B1-870A12693D5D}"/>
+              </a:ext>
+            </a:extLst>
+          </p:cNvPr>
+          <p:cNvPicPr>
+            <a:picLocks noChangeAspect="1" noChangeArrowheads="1"/>
+          </p:cNvPicPr>
+          <p:nvPr/>
+        </p:nvPicPr>
+        <p:blipFill>
+          <a:blip r:embed="rId3">
+            <a:extLst>
+              <a:ext uri="{28A0092B-C50C-407E-A947-70E740481C1C}">
+                <a14:useLocalDpi xmlns:a14="http://schemas.microsoft.com/office/drawing/2010/main" val="0"/>
+              </a:ext>
+            </a:extLst>
+          </a:blip>
+          <a:srcRect/>
+          <a:stretch>
+            <a:fillRect/>
+          </a:stretch>
+        </p:blipFill>
+        <p:spPr bwMode="auto">
+          <a:xfrm>
+            <a:off x="30848" y="3965303"/>
+            <a:ext cx="8960752" cy="2181072"/>
+          </a:xfrm>
+          <a:prstGeom prst="rect">
+            <a:avLst/>
+          </a:prstGeom>
+          <a:noFill/>
+          <a:extLst>
+            <a:ext uri="{909E8E84-426E-40DD-AFC4-6F175D3DCCD1}">
+              <a14:hiddenFill xmlns:a14="http://schemas.microsoft.com/office/drawing/2010/main">
+                <a:solidFill>
+                  <a:srgbClr val="FFFFFF"/>
+                </a:solidFill>
+              </a14:hiddenFill>
+            </a:ext>
+          </a:extLst>
+        </p:spPr>
+      </p:pic>
     </p:spTree>
     <p:extLst>
       <p:ext uri="{BB962C8B-B14F-4D97-AF65-F5344CB8AC3E}">
@@ -5132,41 +5167,6 @@
       </p:grpSpPr>
       <p:sp>
         <p:nvSpPr>
-          <p:cNvPr id="2" name="Content Placeholder 1"/>
-          <p:cNvSpPr>
-            <a:spLocks noGrp="1"/>
-          </p:cNvSpPr>
-          <p:nvPr>
-            <p:ph idx="1"/>
-          </p:nvPr>
-        </p:nvSpPr>
-        <p:spPr>
-          <a:xfrm>
-            <a:off x="381000" y="1219200"/>
-            <a:ext cx="8305800" cy="5181600"/>
-          </a:xfrm>
-        </p:spPr>
-        <p:txBody>
-          <a:bodyPr>
-            <a:normAutofit/>
-          </a:bodyPr>
-          <a:lstStyle/>
-          <a:p>
-            <a:pPr marL="0" indent="0">
-              <a:lnSpc>
-                <a:spcPct val="150000"/>
-              </a:lnSpc>
-              <a:buNone/>
-            </a:pPr>
-            <a:r>
-              <a:rPr lang="en-US" dirty="0"/>
-              <a:t>Accurate prediction of stock market asset is a significant and challenging task due to complicated nature of the financial stock markets. Considering the increasing availability and affordability of powerful computational engines, deep learning methods of prediction have proved its efficiency in finance.</a:t>
-            </a:r>
-          </a:p>
-        </p:txBody>
-      </p:sp>
-      <p:sp>
-        <p:nvSpPr>
           <p:cNvPr id="3" name="Title 2"/>
           <p:cNvSpPr>
             <a:spLocks noGrp="1"/>
@@ -5227,6 +5227,53 @@
           </a:p>
         </p:txBody>
       </p:sp>
+      <p:pic>
+        <p:nvPicPr>
+          <p:cNvPr id="2050" name="Picture 2">
+            <a:extLst>
+              <a:ext uri="{FF2B5EF4-FFF2-40B4-BE49-F238E27FC236}">
+                <a16:creationId xmlns:a16="http://schemas.microsoft.com/office/drawing/2014/main" id="{E293276C-2431-794B-8AC8-D3994BACA145}"/>
+              </a:ext>
+            </a:extLst>
+          </p:cNvPr>
+          <p:cNvPicPr>
+            <a:picLocks noChangeAspect="1" noChangeArrowheads="1"/>
+          </p:cNvPicPr>
+          <p:nvPr/>
+        </p:nvPicPr>
+        <p:blipFill>
+          <a:blip r:embed="rId2">
+            <a:extLst>
+              <a:ext uri="{28A0092B-C50C-407E-A947-70E740481C1C}">
+                <a14:useLocalDpi xmlns:a14="http://schemas.microsoft.com/office/drawing/2010/main" val="0"/>
+              </a:ext>
+            </a:extLst>
+          </a:blip>
+          <a:srcRect/>
+          <a:stretch>
+            <a:fillRect/>
+          </a:stretch>
+        </p:blipFill>
+        <p:spPr bwMode="auto">
+          <a:xfrm>
+            <a:off x="2076450" y="1778000"/>
+            <a:ext cx="4991100" cy="3302000"/>
+          </a:xfrm>
+          <a:prstGeom prst="rect">
+            <a:avLst/>
+          </a:prstGeom>
+          <a:noFill/>
+          <a:extLst>
+            <a:ext uri="{909E8E84-426E-40DD-AFC4-6F175D3DCCD1}">
+              <a14:hiddenFill xmlns:a14="http://schemas.microsoft.com/office/drawing/2010/main">
+                <a:solidFill>
+                  <a:srgbClr val="FFFFFF"/>
+                </a:solidFill>
+              </a14:hiddenFill>
+            </a:ext>
+          </a:extLst>
+        </p:spPr>
+      </p:pic>
     </p:spTree>
     <p:extLst>
       <p:ext uri="{BB962C8B-B14F-4D97-AF65-F5344CB8AC3E}">
@@ -5259,41 +5306,6 @@
       </p:grpSpPr>
       <p:sp>
         <p:nvSpPr>
-          <p:cNvPr id="2" name="Content Placeholder 1"/>
-          <p:cNvSpPr>
-            <a:spLocks noGrp="1"/>
-          </p:cNvSpPr>
-          <p:nvPr>
-            <p:ph idx="1"/>
-          </p:nvPr>
-        </p:nvSpPr>
-        <p:spPr>
-          <a:xfrm>
-            <a:off x="381000" y="1219200"/>
-            <a:ext cx="8305800" cy="5181600"/>
-          </a:xfrm>
-        </p:spPr>
-        <p:txBody>
-          <a:bodyPr>
-            <a:normAutofit/>
-          </a:bodyPr>
-          <a:lstStyle/>
-          <a:p>
-            <a:pPr marL="0" indent="0">
-              <a:lnSpc>
-                <a:spcPct val="150000"/>
-              </a:lnSpc>
-              <a:buNone/>
-            </a:pPr>
-            <a:r>
-              <a:rPr lang="en-US" dirty="0"/>
-              <a:t>Accurate prediction of stock market asset is a significant and challenging task due to complicated nature of the financial stock markets. Considering the increasing availability and affordability of powerful computational engines, deep learning methods of prediction have proved its efficiency in finance.</a:t>
-            </a:r>
-          </a:p>
-        </p:txBody>
-      </p:sp>
-      <p:sp>
-        <p:nvSpPr>
           <p:cNvPr id="3" name="Title 2"/>
           <p:cNvSpPr>
             <a:spLocks noGrp="1"/>
@@ -5310,7 +5322,7 @@
             <a:pPr algn="ctr"/>
             <a:r>
               <a:rPr lang="en-US" altLang="en-US" dirty="0"/>
-              <a:t>Evaluation</a:t>
+              <a:t>Modeling</a:t>
             </a:r>
             <a:endParaRPr lang="en-US" dirty="0"/>
           </a:p>
@@ -5354,6 +5366,374 @@
           </a:p>
         </p:txBody>
       </p:sp>
+      <p:pic>
+        <p:nvPicPr>
+          <p:cNvPr id="4098" name="Picture 2">
+            <a:extLst>
+              <a:ext uri="{FF2B5EF4-FFF2-40B4-BE49-F238E27FC236}">
+                <a16:creationId xmlns:a16="http://schemas.microsoft.com/office/drawing/2014/main" id="{55897BE6-4913-DF4B-B6B5-80446F0446FD}"/>
+              </a:ext>
+            </a:extLst>
+          </p:cNvPr>
+          <p:cNvPicPr>
+            <a:picLocks noChangeAspect="1" noChangeArrowheads="1"/>
+          </p:cNvPicPr>
+          <p:nvPr/>
+        </p:nvPicPr>
+        <p:blipFill>
+          <a:blip r:embed="rId2">
+            <a:extLst>
+              <a:ext uri="{28A0092B-C50C-407E-A947-70E740481C1C}">
+                <a14:useLocalDpi xmlns:a14="http://schemas.microsoft.com/office/drawing/2010/main" val="0"/>
+              </a:ext>
+            </a:extLst>
+          </a:blip>
+          <a:srcRect/>
+          <a:stretch>
+            <a:fillRect/>
+          </a:stretch>
+        </p:blipFill>
+        <p:spPr bwMode="auto">
+          <a:xfrm>
+            <a:off x="1108841" y="1812337"/>
+            <a:ext cx="6824453" cy="4064000"/>
+          </a:xfrm>
+          <a:prstGeom prst="rect">
+            <a:avLst/>
+          </a:prstGeom>
+          <a:noFill/>
+          <a:extLst>
+            <a:ext uri="{909E8E84-426E-40DD-AFC4-6F175D3DCCD1}">
+              <a14:hiddenFill xmlns:a14="http://schemas.microsoft.com/office/drawing/2010/main">
+                <a:solidFill>
+                  <a:srgbClr val="FFFFFF"/>
+                </a:solidFill>
+              </a14:hiddenFill>
+            </a:ext>
+          </a:extLst>
+        </p:spPr>
+      </p:pic>
+    </p:spTree>
+    <p:extLst>
+      <p:ext uri="{BB962C8B-B14F-4D97-AF65-F5344CB8AC3E}">
+        <p14:creationId xmlns:p14="http://schemas.microsoft.com/office/powerpoint/2010/main" val="3841466514"/>
+      </p:ext>
+    </p:extLst>
+  </p:cSld>
+  <p:clrMapOvr>
+    <a:masterClrMapping/>
+  </p:clrMapOvr>
+</p:sld>
+</file>
+
+<file path=ppt/slides/slide8.xml><?xml version="1.0" encoding="utf-8"?>
+<p:sld xmlns:a="http://schemas.openxmlformats.org/drawingml/2006/main" xmlns:r="http://schemas.openxmlformats.org/officeDocument/2006/relationships" xmlns:p="http://schemas.openxmlformats.org/presentationml/2006/main">
+  <p:cSld>
+    <p:spTree>
+      <p:nvGrpSpPr>
+        <p:cNvPr id="1" name=""/>
+        <p:cNvGrpSpPr/>
+        <p:nvPr/>
+      </p:nvGrpSpPr>
+      <p:grpSpPr>
+        <a:xfrm>
+          <a:off x="0" y="0"/>
+          <a:ext cx="0" cy="0"/>
+          <a:chOff x="0" y="0"/>
+          <a:chExt cx="0" cy="0"/>
+        </a:xfrm>
+      </p:grpSpPr>
+      <p:sp>
+        <p:nvSpPr>
+          <p:cNvPr id="3" name="Title 2"/>
+          <p:cNvSpPr>
+            <a:spLocks noGrp="1"/>
+          </p:cNvSpPr>
+          <p:nvPr>
+            <p:ph type="title"/>
+          </p:nvPr>
+        </p:nvSpPr>
+        <p:spPr/>
+        <p:txBody>
+          <a:bodyPr/>
+          <a:lstStyle/>
+          <a:p>
+            <a:pPr algn="ctr"/>
+            <a:r>
+              <a:rPr lang="en-US" altLang="en-US" dirty="0"/>
+              <a:t>Modeling</a:t>
+            </a:r>
+            <a:endParaRPr lang="en-US" dirty="0"/>
+          </a:p>
+        </p:txBody>
+      </p:sp>
+      <p:sp>
+        <p:nvSpPr>
+          <p:cNvPr id="4" name="Slide Number Placeholder 3"/>
+          <p:cNvSpPr>
+            <a:spLocks noGrp="1"/>
+          </p:cNvSpPr>
+          <p:nvPr>
+            <p:ph type="sldNum" sz="quarter" idx="4"/>
+          </p:nvPr>
+        </p:nvSpPr>
+        <p:spPr/>
+        <p:txBody>
+          <a:bodyPr/>
+          <a:lstStyle/>
+          <a:p>
+            <a:fld id="{9511A69E-422D-463E-8342-05325BED6DE2}" type="slidenum">
+              <a:rPr lang="en-US">
+                <a:solidFill>
+                  <a:schemeClr val="accent6">
+                    <a:lumMod val="20000"/>
+                    <a:lumOff val="80000"/>
+                  </a:schemeClr>
+                </a:solidFill>
+              </a:rPr>
+              <a:pPr/>
+              <a:t>8</a:t>
+            </a:fld>
+            <a:endParaRPr lang="en-US">
+              <a:solidFill>
+                <a:schemeClr val="accent6">
+                  <a:lumMod val="20000"/>
+                  <a:lumOff val="80000"/>
+                </a:schemeClr>
+              </a:solidFill>
+            </a:endParaRPr>
+          </a:p>
+        </p:txBody>
+      </p:sp>
+      <p:pic>
+        <p:nvPicPr>
+          <p:cNvPr id="3074" name="Picture 2">
+            <a:extLst>
+              <a:ext uri="{FF2B5EF4-FFF2-40B4-BE49-F238E27FC236}">
+                <a16:creationId xmlns:a16="http://schemas.microsoft.com/office/drawing/2014/main" id="{7C970D1F-0793-5341-B70B-A9DF9D19C5EC}"/>
+              </a:ext>
+            </a:extLst>
+          </p:cNvPr>
+          <p:cNvPicPr>
+            <a:picLocks noChangeAspect="1" noChangeArrowheads="1"/>
+          </p:cNvPicPr>
+          <p:nvPr/>
+        </p:nvPicPr>
+        <p:blipFill>
+          <a:blip r:embed="rId2">
+            <a:extLst>
+              <a:ext uri="{28A0092B-C50C-407E-A947-70E740481C1C}">
+                <a14:useLocalDpi xmlns:a14="http://schemas.microsoft.com/office/drawing/2010/main" val="0"/>
+              </a:ext>
+            </a:extLst>
+          </a:blip>
+          <a:srcRect/>
+          <a:stretch>
+            <a:fillRect/>
+          </a:stretch>
+        </p:blipFill>
+        <p:spPr bwMode="auto">
+          <a:xfrm>
+            <a:off x="2057400" y="1778000"/>
+            <a:ext cx="4902200" cy="3302000"/>
+          </a:xfrm>
+          <a:prstGeom prst="rect">
+            <a:avLst/>
+          </a:prstGeom>
+          <a:noFill/>
+          <a:extLst>
+            <a:ext uri="{909E8E84-426E-40DD-AFC4-6F175D3DCCD1}">
+              <a14:hiddenFill xmlns:a14="http://schemas.microsoft.com/office/drawing/2010/main">
+                <a:solidFill>
+                  <a:srgbClr val="FFFFFF"/>
+                </a:solidFill>
+              </a14:hiddenFill>
+            </a:ext>
+          </a:extLst>
+        </p:spPr>
+      </p:pic>
+    </p:spTree>
+    <p:extLst>
+      <p:ext uri="{BB962C8B-B14F-4D97-AF65-F5344CB8AC3E}">
+        <p14:creationId xmlns:p14="http://schemas.microsoft.com/office/powerpoint/2010/main" val="2995161678"/>
+      </p:ext>
+    </p:extLst>
+  </p:cSld>
+  <p:clrMapOvr>
+    <a:masterClrMapping/>
+  </p:clrMapOvr>
+</p:sld>
+</file>
+
+<file path=ppt/slides/slide9.xml><?xml version="1.0" encoding="utf-8"?>
+<p:sld xmlns:a="http://schemas.openxmlformats.org/drawingml/2006/main" xmlns:r="http://schemas.openxmlformats.org/officeDocument/2006/relationships" xmlns:p="http://schemas.openxmlformats.org/presentationml/2006/main">
+  <p:cSld>
+    <p:spTree>
+      <p:nvGrpSpPr>
+        <p:cNvPr id="1" name=""/>
+        <p:cNvGrpSpPr/>
+        <p:nvPr/>
+      </p:nvGrpSpPr>
+      <p:grpSpPr>
+        <a:xfrm>
+          <a:off x="0" y="0"/>
+          <a:ext cx="0" cy="0"/>
+          <a:chOff x="0" y="0"/>
+          <a:chExt cx="0" cy="0"/>
+        </a:xfrm>
+      </p:grpSpPr>
+      <p:sp>
+        <p:nvSpPr>
+          <p:cNvPr id="3" name="Title 2"/>
+          <p:cNvSpPr>
+            <a:spLocks noGrp="1"/>
+          </p:cNvSpPr>
+          <p:nvPr>
+            <p:ph type="title"/>
+          </p:nvPr>
+        </p:nvSpPr>
+        <p:spPr/>
+        <p:txBody>
+          <a:bodyPr/>
+          <a:lstStyle/>
+          <a:p>
+            <a:pPr algn="ctr"/>
+            <a:r>
+              <a:rPr lang="en-US" altLang="en-US" dirty="0"/>
+              <a:t>Evaluation</a:t>
+            </a:r>
+            <a:endParaRPr lang="en-US" dirty="0"/>
+          </a:p>
+        </p:txBody>
+      </p:sp>
+      <p:sp>
+        <p:nvSpPr>
+          <p:cNvPr id="4" name="Slide Number Placeholder 3"/>
+          <p:cNvSpPr>
+            <a:spLocks noGrp="1"/>
+          </p:cNvSpPr>
+          <p:nvPr>
+            <p:ph type="sldNum" sz="quarter" idx="4"/>
+          </p:nvPr>
+        </p:nvSpPr>
+        <p:spPr/>
+        <p:txBody>
+          <a:bodyPr/>
+          <a:lstStyle/>
+          <a:p>
+            <a:fld id="{9511A69E-422D-463E-8342-05325BED6DE2}" type="slidenum">
+              <a:rPr lang="en-US">
+                <a:solidFill>
+                  <a:schemeClr val="accent6">
+                    <a:lumMod val="20000"/>
+                    <a:lumOff val="80000"/>
+                  </a:schemeClr>
+                </a:solidFill>
+              </a:rPr>
+              <a:pPr/>
+              <a:t>9</a:t>
+            </a:fld>
+            <a:endParaRPr lang="en-US">
+              <a:solidFill>
+                <a:schemeClr val="accent6">
+                  <a:lumMod val="20000"/>
+                  <a:lumOff val="80000"/>
+                </a:schemeClr>
+              </a:solidFill>
+            </a:endParaRPr>
+          </a:p>
+        </p:txBody>
+      </p:sp>
+      <p:pic>
+        <p:nvPicPr>
+          <p:cNvPr id="7" name="Picture 6">
+            <a:extLst>
+              <a:ext uri="{FF2B5EF4-FFF2-40B4-BE49-F238E27FC236}">
+                <a16:creationId xmlns:a16="http://schemas.microsoft.com/office/drawing/2014/main" id="{7FCBAADB-A0AD-D742-B1C8-D569506E201E}"/>
+              </a:ext>
+            </a:extLst>
+          </p:cNvPr>
+          <p:cNvPicPr>
+            <a:picLocks noChangeAspect="1"/>
+          </p:cNvPicPr>
+          <p:nvPr/>
+        </p:nvPicPr>
+        <p:blipFill>
+          <a:blip r:embed="rId2"/>
+          <a:stretch>
+            <a:fillRect/>
+          </a:stretch>
+        </p:blipFill>
+        <p:spPr>
+          <a:xfrm>
+            <a:off x="1054100" y="1524000"/>
+            <a:ext cx="3517900" cy="533400"/>
+          </a:xfrm>
+          <a:prstGeom prst="rect">
+            <a:avLst/>
+          </a:prstGeom>
+        </p:spPr>
+      </p:pic>
+      <p:pic>
+        <p:nvPicPr>
+          <p:cNvPr id="8" name="Picture 7">
+            <a:extLst>
+              <a:ext uri="{FF2B5EF4-FFF2-40B4-BE49-F238E27FC236}">
+                <a16:creationId xmlns:a16="http://schemas.microsoft.com/office/drawing/2014/main" id="{F6FC3CCA-7C50-6149-9C26-D6DE10CA1CDA}"/>
+              </a:ext>
+            </a:extLst>
+          </p:cNvPr>
+          <p:cNvPicPr>
+            <a:picLocks noChangeAspect="1"/>
+          </p:cNvPicPr>
+          <p:nvPr/>
+        </p:nvPicPr>
+        <p:blipFill>
+          <a:blip r:embed="rId3"/>
+          <a:stretch>
+            <a:fillRect/>
+          </a:stretch>
+        </p:blipFill>
+        <p:spPr>
+          <a:xfrm>
+            <a:off x="1033079" y="2477337"/>
+            <a:ext cx="4737100" cy="863600"/>
+          </a:xfrm>
+          <a:prstGeom prst="rect">
+            <a:avLst/>
+          </a:prstGeom>
+        </p:spPr>
+      </p:pic>
+      <p:pic>
+        <p:nvPicPr>
+          <p:cNvPr id="9" name="Picture 8">
+            <a:extLst>
+              <a:ext uri="{FF2B5EF4-FFF2-40B4-BE49-F238E27FC236}">
+                <a16:creationId xmlns:a16="http://schemas.microsoft.com/office/drawing/2014/main" id="{ADDEA366-979A-6247-8385-E11C055EA7D5}"/>
+              </a:ext>
+            </a:extLst>
+          </p:cNvPr>
+          <p:cNvPicPr>
+            <a:picLocks noChangeAspect="1"/>
+          </p:cNvPicPr>
+          <p:nvPr/>
+        </p:nvPicPr>
+        <p:blipFill>
+          <a:blip r:embed="rId4"/>
+          <a:stretch>
+            <a:fillRect/>
+          </a:stretch>
+        </p:blipFill>
+        <p:spPr>
+          <a:xfrm>
+            <a:off x="1014686" y="3916774"/>
+            <a:ext cx="4318000" cy="850900"/>
+          </a:xfrm>
+          <a:prstGeom prst="rect">
+            <a:avLst/>
+          </a:prstGeom>
+        </p:spPr>
+      </p:pic>
     </p:spTree>
     <p:extLst>
       <p:ext uri="{BB962C8B-B14F-4D97-AF65-F5344CB8AC3E}">

--- a/data/Stock Market Prediction.pptx
+++ b/data/Stock Market Prediction.pptx
@@ -4941,7 +4941,7 @@
         </p:blipFill>
         <p:spPr>
           <a:xfrm>
-            <a:off x="590550" y="1393237"/>
+            <a:off x="453890" y="2743200"/>
             <a:ext cx="7962900" cy="2451100"/>
           </a:xfrm>
           <a:prstGeom prst="rect">
@@ -4949,6 +4949,87 @@
           </a:prstGeom>
         </p:spPr>
       </p:pic>
+      <p:sp>
+        <p:nvSpPr>
+          <p:cNvPr id="8" name="Rectangle 7">
+            <a:extLst>
+              <a:ext uri="{FF2B5EF4-FFF2-40B4-BE49-F238E27FC236}">
+                <a16:creationId xmlns:a16="http://schemas.microsoft.com/office/drawing/2014/main" id="{371172BE-47D1-014B-8C2F-CC3E602296FB}"/>
+              </a:ext>
+            </a:extLst>
+          </p:cNvPr>
+          <p:cNvSpPr/>
+          <p:nvPr/>
+        </p:nvSpPr>
+        <p:spPr>
+          <a:xfrm>
+            <a:off x="685800" y="1467315"/>
+            <a:ext cx="2807628" cy="369332"/>
+          </a:xfrm>
+          <a:prstGeom prst="rect">
+            <a:avLst/>
+          </a:prstGeom>
+        </p:spPr>
+        <p:txBody>
+          <a:bodyPr wrap="none">
+            <a:spAutoFit/>
+          </a:bodyPr>
+          <a:lstStyle/>
+          <a:p>
+            <a:r>
+              <a:rPr lang="en-US" dirty="0">
+                <a:solidFill>
+                  <a:schemeClr val="accent1"/>
+                </a:solidFill>
+                <a:latin typeface="Times New Roman" panose="02020603050405020304" pitchFamily="18" charset="0"/>
+                <a:cs typeface="Times New Roman" panose="02020603050405020304" pitchFamily="18" charset="0"/>
+                <a:hlinkClick r:id="rId3">
+                  <a:extLst>
+                    <a:ext uri="{A12FA001-AC4F-418D-AE19-62706E023703}">
+                      <ahyp:hlinkClr xmlns:ahyp="http://schemas.microsoft.com/office/drawing/2018/hyperlinkcolor" val="tx"/>
+                    </a:ext>
+                  </a:extLst>
+                </a:hlinkClick>
+              </a:rPr>
+              <a:t>IEX API</a:t>
+            </a:r>
+            <a:r>
+              <a:rPr lang="en-US" dirty="0">
+                <a:solidFill>
+                  <a:schemeClr val="accent1"/>
+                </a:solidFill>
+                <a:latin typeface="Times New Roman" panose="02020603050405020304" pitchFamily="18" charset="0"/>
+                <a:cs typeface="Times New Roman" panose="02020603050405020304" pitchFamily="18" charset="0"/>
+              </a:rPr>
+              <a:t> and </a:t>
+            </a:r>
+            <a:r>
+              <a:rPr lang="en-US" dirty="0">
+                <a:solidFill>
+                  <a:schemeClr val="accent1"/>
+                </a:solidFill>
+                <a:latin typeface="Times New Roman" panose="02020603050405020304" pitchFamily="18" charset="0"/>
+                <a:cs typeface="Times New Roman" panose="02020603050405020304" pitchFamily="18" charset="0"/>
+                <a:hlinkClick r:id="rId4">
+                  <a:extLst>
+                    <a:ext uri="{A12FA001-AC4F-418D-AE19-62706E023703}">
+                      <ahyp:hlinkClr xmlns:ahyp="http://schemas.microsoft.com/office/drawing/2018/hyperlinkcolor" val="tx"/>
+                    </a:ext>
+                  </a:extLst>
+                </a:hlinkClick>
+              </a:rPr>
+              <a:t>Yahoo Finance</a:t>
+            </a:r>
+            <a:endParaRPr lang="en-US" dirty="0">
+              <a:solidFill>
+                <a:schemeClr val="accent1"/>
+              </a:solidFill>
+              <a:latin typeface="Times New Roman" panose="02020603050405020304" pitchFamily="18" charset="0"/>
+              <a:cs typeface="Times New Roman" panose="02020603050405020304" pitchFamily="18" charset="0"/>
+            </a:endParaRPr>
+          </a:p>
+        </p:txBody>
+      </p:sp>
     </p:spTree>
     <p:extLst>
       <p:ext uri="{BB962C8B-B14F-4D97-AF65-F5344CB8AC3E}">
@@ -5274,6 +5355,46 @@
           </a:extLst>
         </p:spPr>
       </p:pic>
+      <p:sp>
+        <p:nvSpPr>
+          <p:cNvPr id="7" name="Rectangle 6">
+            <a:extLst>
+              <a:ext uri="{FF2B5EF4-FFF2-40B4-BE49-F238E27FC236}">
+                <a16:creationId xmlns:a16="http://schemas.microsoft.com/office/drawing/2014/main" id="{D5435B5F-087A-AD46-B5BC-5E23B549991F}"/>
+              </a:ext>
+            </a:extLst>
+          </p:cNvPr>
+          <p:cNvSpPr/>
+          <p:nvPr/>
+        </p:nvSpPr>
+        <p:spPr>
+          <a:xfrm>
+            <a:off x="512189" y="1275639"/>
+            <a:ext cx="4067011" cy="369332"/>
+          </a:xfrm>
+          <a:prstGeom prst="rect">
+            <a:avLst/>
+          </a:prstGeom>
+        </p:spPr>
+        <p:txBody>
+          <a:bodyPr wrap="none">
+            <a:spAutoFit/>
+          </a:bodyPr>
+          <a:lstStyle/>
+          <a:p>
+            <a:r>
+              <a:rPr lang="en-US" dirty="0">
+                <a:solidFill>
+                  <a:srgbClr val="24292E"/>
+                </a:solidFill>
+                <a:latin typeface="-apple-system"/>
+              </a:rPr>
+              <a:t>SARIMAX Model with exogenous features</a:t>
+            </a:r>
+            <a:endParaRPr lang="en-US" dirty="0"/>
+          </a:p>
+        </p:txBody>
+      </p:sp>
     </p:spTree>
     <p:extLst>
       <p:ext uri="{BB962C8B-B14F-4D97-AF65-F5344CB8AC3E}">
@@ -5413,6 +5534,46 @@
           </a:extLst>
         </p:spPr>
       </p:pic>
+      <p:sp>
+        <p:nvSpPr>
+          <p:cNvPr id="2" name="Rectangle 1">
+            <a:extLst>
+              <a:ext uri="{FF2B5EF4-FFF2-40B4-BE49-F238E27FC236}">
+                <a16:creationId xmlns:a16="http://schemas.microsoft.com/office/drawing/2014/main" id="{59E668D1-3916-F34B-A659-02EE9D71C3F9}"/>
+              </a:ext>
+            </a:extLst>
+          </p:cNvPr>
+          <p:cNvSpPr/>
+          <p:nvPr/>
+        </p:nvSpPr>
+        <p:spPr>
+          <a:xfrm>
+            <a:off x="609600" y="1210016"/>
+            <a:ext cx="1882310" cy="369332"/>
+          </a:xfrm>
+          <a:prstGeom prst="rect">
+            <a:avLst/>
+          </a:prstGeom>
+        </p:spPr>
+        <p:txBody>
+          <a:bodyPr wrap="none">
+            <a:spAutoFit/>
+          </a:bodyPr>
+          <a:lstStyle/>
+          <a:p>
+            <a:r>
+              <a:rPr lang="en-US" dirty="0">
+                <a:solidFill>
+                  <a:srgbClr val="24292E"/>
+                </a:solidFill>
+                <a:latin typeface="-apple-system"/>
+              </a:rPr>
+              <a:t>Facebook Prophet</a:t>
+            </a:r>
+            <a:endParaRPr lang="en-US" dirty="0"/>
+          </a:p>
+        </p:txBody>
+      </p:sp>
     </p:spTree>
     <p:extLst>
       <p:ext uri="{BB962C8B-B14F-4D97-AF65-F5344CB8AC3E}">
@@ -5552,6 +5713,46 @@
           </a:extLst>
         </p:spPr>
       </p:pic>
+      <p:sp>
+        <p:nvSpPr>
+          <p:cNvPr id="2" name="Rectangle 1">
+            <a:extLst>
+              <a:ext uri="{FF2B5EF4-FFF2-40B4-BE49-F238E27FC236}">
+                <a16:creationId xmlns:a16="http://schemas.microsoft.com/office/drawing/2014/main" id="{75AF0300-7446-D24F-9AE3-6B6B415BB0F8}"/>
+              </a:ext>
+            </a:extLst>
+          </p:cNvPr>
+          <p:cNvSpPr/>
+          <p:nvPr/>
+        </p:nvSpPr>
+        <p:spPr>
+          <a:xfrm>
+            <a:off x="794988" y="1229634"/>
+            <a:ext cx="696024" cy="369332"/>
+          </a:xfrm>
+          <a:prstGeom prst="rect">
+            <a:avLst/>
+          </a:prstGeom>
+        </p:spPr>
+        <p:txBody>
+          <a:bodyPr wrap="none">
+            <a:spAutoFit/>
+          </a:bodyPr>
+          <a:lstStyle/>
+          <a:p>
+            <a:r>
+              <a:rPr lang="en-US" dirty="0">
+                <a:solidFill>
+                  <a:srgbClr val="24292E"/>
+                </a:solidFill>
+                <a:latin typeface="-apple-system"/>
+              </a:rPr>
+              <a:t>LSTM</a:t>
+            </a:r>
+            <a:endParaRPr lang="en-US" dirty="0"/>
+          </a:p>
+        </p:txBody>
+      </p:sp>
     </p:spTree>
     <p:extLst>
       <p:ext uri="{BB962C8B-B14F-4D97-AF65-F5344CB8AC3E}">
